--- a/docs/songs/sacrifice of praise.pptx
+++ b/docs/songs/sacrifice of praise.pptx
@@ -212,7 +212,7 @@
           <a:p>
             <a:fld id="{C57EAEFC-A9C7-464E-BE3F-33D4DD72E122}" type="datetimeFigureOut">
               <a:rPr lang="en-GB" smtClean="0"/>
-              <a:t>01/07/2024</a:t>
+              <a:t>14/07/2024</a:t>
             </a:fld>
             <a:endParaRPr lang="en-GB"/>
           </a:p>
@@ -662,7 +662,7 @@
             <a:fld id="{26EA1CF3-4A15-4CBF-9A5A-6A56C368BE71}" type="datetimeFigureOut">
               <a:rPr lang="en-GB" smtClean="0"/>
               <a:pPr/>
-              <a:t>01/07/2024</a:t>
+              <a:t>14/07/2024</a:t>
             </a:fld>
             <a:endParaRPr lang="en-GB"/>
           </a:p>
@@ -829,7 +829,7 @@
             <a:fld id="{26EA1CF3-4A15-4CBF-9A5A-6A56C368BE71}" type="datetimeFigureOut">
               <a:rPr lang="en-GB" smtClean="0"/>
               <a:pPr/>
-              <a:t>01/07/2024</a:t>
+              <a:t>14/07/2024</a:t>
             </a:fld>
             <a:endParaRPr lang="en-GB"/>
           </a:p>
@@ -1006,7 +1006,7 @@
             <a:fld id="{26EA1CF3-4A15-4CBF-9A5A-6A56C368BE71}" type="datetimeFigureOut">
               <a:rPr lang="en-GB" smtClean="0"/>
               <a:pPr/>
-              <a:t>01/07/2024</a:t>
+              <a:t>14/07/2024</a:t>
             </a:fld>
             <a:endParaRPr lang="en-GB"/>
           </a:p>
@@ -1173,7 +1173,7 @@
             <a:fld id="{26EA1CF3-4A15-4CBF-9A5A-6A56C368BE71}" type="datetimeFigureOut">
               <a:rPr lang="en-GB" smtClean="0"/>
               <a:pPr/>
-              <a:t>01/07/2024</a:t>
+              <a:t>14/07/2024</a:t>
             </a:fld>
             <a:endParaRPr lang="en-GB"/>
           </a:p>
@@ -1416,7 +1416,7 @@
             <a:fld id="{26EA1CF3-4A15-4CBF-9A5A-6A56C368BE71}" type="datetimeFigureOut">
               <a:rPr lang="en-GB" smtClean="0"/>
               <a:pPr/>
-              <a:t>01/07/2024</a:t>
+              <a:t>14/07/2024</a:t>
             </a:fld>
             <a:endParaRPr lang="en-GB"/>
           </a:p>
@@ -1701,7 +1701,7 @@
             <a:fld id="{26EA1CF3-4A15-4CBF-9A5A-6A56C368BE71}" type="datetimeFigureOut">
               <a:rPr lang="en-GB" smtClean="0"/>
               <a:pPr/>
-              <a:t>01/07/2024</a:t>
+              <a:t>14/07/2024</a:t>
             </a:fld>
             <a:endParaRPr lang="en-GB"/>
           </a:p>
@@ -2120,7 +2120,7 @@
             <a:fld id="{26EA1CF3-4A15-4CBF-9A5A-6A56C368BE71}" type="datetimeFigureOut">
               <a:rPr lang="en-GB" smtClean="0"/>
               <a:pPr/>
-              <a:t>01/07/2024</a:t>
+              <a:t>14/07/2024</a:t>
             </a:fld>
             <a:endParaRPr lang="en-GB"/>
           </a:p>
@@ -2235,7 +2235,7 @@
             <a:fld id="{26EA1CF3-4A15-4CBF-9A5A-6A56C368BE71}" type="datetimeFigureOut">
               <a:rPr lang="en-GB" smtClean="0"/>
               <a:pPr/>
-              <a:t>01/07/2024</a:t>
+              <a:t>14/07/2024</a:t>
             </a:fld>
             <a:endParaRPr lang="en-GB"/>
           </a:p>
@@ -2327,7 +2327,7 @@
             <a:fld id="{26EA1CF3-4A15-4CBF-9A5A-6A56C368BE71}" type="datetimeFigureOut">
               <a:rPr lang="en-GB" smtClean="0"/>
               <a:pPr/>
-              <a:t>01/07/2024</a:t>
+              <a:t>14/07/2024</a:t>
             </a:fld>
             <a:endParaRPr lang="en-GB"/>
           </a:p>
@@ -2601,7 +2601,7 @@
             <a:fld id="{26EA1CF3-4A15-4CBF-9A5A-6A56C368BE71}" type="datetimeFigureOut">
               <a:rPr lang="en-GB" smtClean="0"/>
               <a:pPr/>
-              <a:t>01/07/2024</a:t>
+              <a:t>14/07/2024</a:t>
             </a:fld>
             <a:endParaRPr lang="en-GB"/>
           </a:p>
@@ -2851,7 +2851,7 @@
             <a:fld id="{26EA1CF3-4A15-4CBF-9A5A-6A56C368BE71}" type="datetimeFigureOut">
               <a:rPr lang="en-GB" smtClean="0"/>
               <a:pPr/>
-              <a:t>01/07/2024</a:t>
+              <a:t>14/07/2024</a:t>
             </a:fld>
             <a:endParaRPr lang="en-GB"/>
           </a:p>
@@ -3060,7 +3060,7 @@
             <a:fld id="{26EA1CF3-4A15-4CBF-9A5A-6A56C368BE71}" type="datetimeFigureOut">
               <a:rPr lang="en-GB" smtClean="0"/>
               <a:pPr/>
-              <a:t>01/07/2024</a:t>
+              <a:t>14/07/2024</a:t>
             </a:fld>
             <a:endParaRPr lang="en-GB"/>
           </a:p>
@@ -3712,7 +3712,23 @@
                   <a:schemeClr val="bg1"/>
                 </a:solidFill>
               </a:rPr>
-              <a:t>Give thanks to you with voices raised</a:t>
+              <a:t>Give thanks to you with </a:t>
+            </a:r>
+            <a:r>
+              <a:rPr lang="en-GB" sz="3600">
+                <a:solidFill>
+                  <a:schemeClr val="bg1"/>
+                </a:solidFill>
+              </a:rPr>
+              <a:t>all our voices </a:t>
+            </a:r>
+            <a:r>
+              <a:rPr lang="en-GB" sz="3600" dirty="0">
+                <a:solidFill>
+                  <a:schemeClr val="bg1"/>
+                </a:solidFill>
+              </a:rPr>
+              <a:t>raised</a:t>
             </a:r>
           </a:p>
           <a:p>
